--- a/Docs/Little Knight2 PI.pptx
+++ b/Docs/Little Knight2 PI.pptx
@@ -5,7 +5,7 @@
     <p:sldMasterId id="2147483659" r:id="rId1"/>
   </p:sldMasterIdLst>
   <p:notesMasterIdLst>
-    <p:notesMasterId r:id="rId20"/>
+    <p:notesMasterId r:id="rId17"/>
   </p:notesMasterIdLst>
   <p:sldIdLst>
     <p:sldId id="256" r:id="rId2"/>
@@ -23,9 +23,6 @@
     <p:sldId id="264" r:id="rId14"/>
     <p:sldId id="265" r:id="rId15"/>
     <p:sldId id="266" r:id="rId16"/>
-    <p:sldId id="267" r:id="rId17"/>
-    <p:sldId id="268" r:id="rId18"/>
-    <p:sldId id="269" r:id="rId19"/>
   </p:sldIdLst>
   <p:sldSz cx="9144000" cy="5143500" type="screen16x9"/>
   <p:notesSz cx="6858000" cy="9144000"/>
@@ -1401,318 +1398,6 @@
       <p:sp>
         <p:nvSpPr>
           <p:cNvPr id="118" name="Google Shape;118;g4995a996bd_0_15:notes"/>
-          <p:cNvSpPr txBox="1">
-            <a:spLocks noGrp="1"/>
-          </p:cNvSpPr>
-          <p:nvPr>
-            <p:ph type="body" idx="1"/>
-          </p:nvPr>
-        </p:nvSpPr>
-        <p:spPr>
-          <a:xfrm>
-            <a:off x="685800" y="4343400"/>
-            <a:ext cx="5486400" cy="4114800"/>
-          </a:xfrm>
-          <a:prstGeom prst="rect">
-            <a:avLst/>
-          </a:prstGeom>
-        </p:spPr>
-        <p:txBody>
-          <a:bodyPr spcFirstLastPara="1" wrap="square" lIns="91425" tIns="91425" rIns="91425" bIns="91425" anchor="t" anchorCtr="0">
-            <a:noAutofit/>
-          </a:bodyPr>
-          <a:lstStyle/>
-          <a:p>
-            <a:pPr marL="0" lvl="0" indent="0" algn="l" rtl="0">
-              <a:spcBef>
-                <a:spcPts val="0"/>
-              </a:spcBef>
-              <a:spcAft>
-                <a:spcPts val="0"/>
-              </a:spcAft>
-              <a:buNone/>
-            </a:pPr>
-            <a:endParaRPr/>
-          </a:p>
-        </p:txBody>
-      </p:sp>
-    </p:spTree>
-  </p:cSld>
-  <p:clrMapOvr>
-    <a:masterClrMapping/>
-  </p:clrMapOvr>
-</p:notes>
-</file>
-
-<file path=ppt/notesSlides/notesSlide16.xml><?xml version="1.0" encoding="utf-8"?>
-<p:notes xmlns:a="http://schemas.openxmlformats.org/drawingml/2006/main" xmlns:r="http://schemas.openxmlformats.org/officeDocument/2006/relationships" xmlns:p="http://schemas.openxmlformats.org/presentationml/2006/main" showMasterSp="0" showMasterPhAnim="0">
-  <p:cSld>
-    <p:spTree>
-      <p:nvGrpSpPr>
-        <p:cNvPr id="1" name="Shape 123"/>
-        <p:cNvGrpSpPr/>
-        <p:nvPr/>
-      </p:nvGrpSpPr>
-      <p:grpSpPr>
-        <a:xfrm>
-          <a:off x="0" y="0"/>
-          <a:ext cx="0" cy="0"/>
-          <a:chOff x="0" y="0"/>
-          <a:chExt cx="0" cy="0"/>
-        </a:xfrm>
-      </p:grpSpPr>
-      <p:sp>
-        <p:nvSpPr>
-          <p:cNvPr id="124" name="Google Shape;124;g4995a996bd_0_40:notes"/>
-          <p:cNvSpPr>
-            <a:spLocks noGrp="1" noRot="1" noChangeAspect="1"/>
-          </p:cNvSpPr>
-          <p:nvPr>
-            <p:ph type="sldImg" idx="2"/>
-          </p:nvPr>
-        </p:nvSpPr>
-        <p:spPr>
-          <a:xfrm>
-            <a:off x="381000" y="685800"/>
-            <a:ext cx="6096000" cy="3429000"/>
-          </a:xfrm>
-          <a:custGeom>
-            <a:avLst/>
-            <a:gdLst/>
-            <a:ahLst/>
-            <a:cxnLst/>
-            <a:rect l="l" t="t" r="r" b="b"/>
-            <a:pathLst>
-              <a:path w="120000" h="120000" extrusionOk="0">
-                <a:moveTo>
-                  <a:pt x="0" y="0"/>
-                </a:moveTo>
-                <a:lnTo>
-                  <a:pt x="120000" y="0"/>
-                </a:lnTo>
-                <a:lnTo>
-                  <a:pt x="120000" y="120000"/>
-                </a:lnTo>
-                <a:lnTo>
-                  <a:pt x="0" y="120000"/>
-                </a:lnTo>
-                <a:close/>
-              </a:path>
-            </a:pathLst>
-          </a:custGeom>
-        </p:spPr>
-      </p:sp>
-      <p:sp>
-        <p:nvSpPr>
-          <p:cNvPr id="125" name="Google Shape;125;g4995a996bd_0_40:notes"/>
-          <p:cNvSpPr txBox="1">
-            <a:spLocks noGrp="1"/>
-          </p:cNvSpPr>
-          <p:nvPr>
-            <p:ph type="body" idx="1"/>
-          </p:nvPr>
-        </p:nvSpPr>
-        <p:spPr>
-          <a:xfrm>
-            <a:off x="685800" y="4343400"/>
-            <a:ext cx="5486400" cy="4114800"/>
-          </a:xfrm>
-          <a:prstGeom prst="rect">
-            <a:avLst/>
-          </a:prstGeom>
-        </p:spPr>
-        <p:txBody>
-          <a:bodyPr spcFirstLastPara="1" wrap="square" lIns="91425" tIns="91425" rIns="91425" bIns="91425" anchor="t" anchorCtr="0">
-            <a:noAutofit/>
-          </a:bodyPr>
-          <a:lstStyle/>
-          <a:p>
-            <a:pPr marL="0" lvl="0" indent="0" algn="l" rtl="0">
-              <a:spcBef>
-                <a:spcPts val="0"/>
-              </a:spcBef>
-              <a:spcAft>
-                <a:spcPts val="0"/>
-              </a:spcAft>
-              <a:buNone/>
-            </a:pPr>
-            <a:endParaRPr/>
-          </a:p>
-        </p:txBody>
-      </p:sp>
-    </p:spTree>
-  </p:cSld>
-  <p:clrMapOvr>
-    <a:masterClrMapping/>
-  </p:clrMapOvr>
-</p:notes>
-</file>
-
-<file path=ppt/notesSlides/notesSlide17.xml><?xml version="1.0" encoding="utf-8"?>
-<p:notes xmlns:a="http://schemas.openxmlformats.org/drawingml/2006/main" xmlns:r="http://schemas.openxmlformats.org/officeDocument/2006/relationships" xmlns:p="http://schemas.openxmlformats.org/presentationml/2006/main" showMasterSp="0" showMasterPhAnim="0">
-  <p:cSld>
-    <p:spTree>
-      <p:nvGrpSpPr>
-        <p:cNvPr id="1" name="Shape 129"/>
-        <p:cNvGrpSpPr/>
-        <p:nvPr/>
-      </p:nvGrpSpPr>
-      <p:grpSpPr>
-        <a:xfrm>
-          <a:off x="0" y="0"/>
-          <a:ext cx="0" cy="0"/>
-          <a:chOff x="0" y="0"/>
-          <a:chExt cx="0" cy="0"/>
-        </a:xfrm>
-      </p:grpSpPr>
-      <p:sp>
-        <p:nvSpPr>
-          <p:cNvPr id="130" name="Google Shape;130;g4995a996bd_0_45:notes"/>
-          <p:cNvSpPr>
-            <a:spLocks noGrp="1" noRot="1" noChangeAspect="1"/>
-          </p:cNvSpPr>
-          <p:nvPr>
-            <p:ph type="sldImg" idx="2"/>
-          </p:nvPr>
-        </p:nvSpPr>
-        <p:spPr>
-          <a:xfrm>
-            <a:off x="381000" y="685800"/>
-            <a:ext cx="6096000" cy="3429000"/>
-          </a:xfrm>
-          <a:custGeom>
-            <a:avLst/>
-            <a:gdLst/>
-            <a:ahLst/>
-            <a:cxnLst/>
-            <a:rect l="l" t="t" r="r" b="b"/>
-            <a:pathLst>
-              <a:path w="120000" h="120000" extrusionOk="0">
-                <a:moveTo>
-                  <a:pt x="0" y="0"/>
-                </a:moveTo>
-                <a:lnTo>
-                  <a:pt x="120000" y="0"/>
-                </a:lnTo>
-                <a:lnTo>
-                  <a:pt x="120000" y="120000"/>
-                </a:lnTo>
-                <a:lnTo>
-                  <a:pt x="0" y="120000"/>
-                </a:lnTo>
-                <a:close/>
-              </a:path>
-            </a:pathLst>
-          </a:custGeom>
-        </p:spPr>
-      </p:sp>
-      <p:sp>
-        <p:nvSpPr>
-          <p:cNvPr id="131" name="Google Shape;131;g4995a996bd_0_45:notes"/>
-          <p:cNvSpPr txBox="1">
-            <a:spLocks noGrp="1"/>
-          </p:cNvSpPr>
-          <p:nvPr>
-            <p:ph type="body" idx="1"/>
-          </p:nvPr>
-        </p:nvSpPr>
-        <p:spPr>
-          <a:xfrm>
-            <a:off x="685800" y="4343400"/>
-            <a:ext cx="5486400" cy="4114800"/>
-          </a:xfrm>
-          <a:prstGeom prst="rect">
-            <a:avLst/>
-          </a:prstGeom>
-        </p:spPr>
-        <p:txBody>
-          <a:bodyPr spcFirstLastPara="1" wrap="square" lIns="91425" tIns="91425" rIns="91425" bIns="91425" anchor="t" anchorCtr="0">
-            <a:noAutofit/>
-          </a:bodyPr>
-          <a:lstStyle/>
-          <a:p>
-            <a:pPr marL="0" lvl="0" indent="0" algn="l" rtl="0">
-              <a:spcBef>
-                <a:spcPts val="0"/>
-              </a:spcBef>
-              <a:spcAft>
-                <a:spcPts val="0"/>
-              </a:spcAft>
-              <a:buNone/>
-            </a:pPr>
-            <a:endParaRPr/>
-          </a:p>
-        </p:txBody>
-      </p:sp>
-    </p:spTree>
-  </p:cSld>
-  <p:clrMapOvr>
-    <a:masterClrMapping/>
-  </p:clrMapOvr>
-</p:notes>
-</file>
-
-<file path=ppt/notesSlides/notesSlide18.xml><?xml version="1.0" encoding="utf-8"?>
-<p:notes xmlns:a="http://schemas.openxmlformats.org/drawingml/2006/main" xmlns:r="http://schemas.openxmlformats.org/officeDocument/2006/relationships" xmlns:p="http://schemas.openxmlformats.org/presentationml/2006/main" showMasterSp="0" showMasterPhAnim="0">
-  <p:cSld>
-    <p:spTree>
-      <p:nvGrpSpPr>
-        <p:cNvPr id="1" name="Shape 135"/>
-        <p:cNvGrpSpPr/>
-        <p:nvPr/>
-      </p:nvGrpSpPr>
-      <p:grpSpPr>
-        <a:xfrm>
-          <a:off x="0" y="0"/>
-          <a:ext cx="0" cy="0"/>
-          <a:chOff x="0" y="0"/>
-          <a:chExt cx="0" cy="0"/>
-        </a:xfrm>
-      </p:grpSpPr>
-      <p:sp>
-        <p:nvSpPr>
-          <p:cNvPr id="136" name="Google Shape;136;g4995a996bd_0_50:notes"/>
-          <p:cNvSpPr>
-            <a:spLocks noGrp="1" noRot="1" noChangeAspect="1"/>
-          </p:cNvSpPr>
-          <p:nvPr>
-            <p:ph type="sldImg" idx="2"/>
-          </p:nvPr>
-        </p:nvSpPr>
-        <p:spPr>
-          <a:xfrm>
-            <a:off x="381000" y="685800"/>
-            <a:ext cx="6096000" cy="3429000"/>
-          </a:xfrm>
-          <a:custGeom>
-            <a:avLst/>
-            <a:gdLst/>
-            <a:ahLst/>
-            <a:cxnLst/>
-            <a:rect l="l" t="t" r="r" b="b"/>
-            <a:pathLst>
-              <a:path w="120000" h="120000" extrusionOk="0">
-                <a:moveTo>
-                  <a:pt x="0" y="0"/>
-                </a:moveTo>
-                <a:lnTo>
-                  <a:pt x="120000" y="0"/>
-                </a:lnTo>
-                <a:lnTo>
-                  <a:pt x="120000" y="120000"/>
-                </a:lnTo>
-                <a:lnTo>
-                  <a:pt x="0" y="120000"/>
-                </a:lnTo>
-                <a:close/>
-              </a:path>
-            </a:pathLst>
-          </a:custGeom>
-        </p:spPr>
-      </p:sp>
-      <p:sp>
-        <p:nvSpPr>
-          <p:cNvPr id="137" name="Google Shape;137;g4995a996bd_0_50:notes"/>
           <p:cNvSpPr txBox="1">
             <a:spLocks noGrp="1"/>
           </p:cNvSpPr>
@@ -8426,309 +8111,6 @@
 </p:sld>
 </file>
 
-<file path=ppt/slides/slide16.xml><?xml version="1.0" encoding="utf-8"?>
-<p:sld xmlns:a="http://schemas.openxmlformats.org/drawingml/2006/main" xmlns:r="http://schemas.openxmlformats.org/officeDocument/2006/relationships" xmlns:p="http://schemas.openxmlformats.org/presentationml/2006/main">
-  <p:cSld>
-    <p:spTree>
-      <p:nvGrpSpPr>
-        <p:cNvPr id="1" name="Shape 126"/>
-        <p:cNvGrpSpPr/>
-        <p:nvPr/>
-      </p:nvGrpSpPr>
-      <p:grpSpPr>
-        <a:xfrm>
-          <a:off x="0" y="0"/>
-          <a:ext cx="0" cy="0"/>
-          <a:chOff x="0" y="0"/>
-          <a:chExt cx="0" cy="0"/>
-        </a:xfrm>
-      </p:grpSpPr>
-      <p:sp>
-        <p:nvSpPr>
-          <p:cNvPr id="127" name="Google Shape;127;p24"/>
-          <p:cNvSpPr txBox="1">
-            <a:spLocks noGrp="1"/>
-          </p:cNvSpPr>
-          <p:nvPr>
-            <p:ph type="title"/>
-          </p:nvPr>
-        </p:nvSpPr>
-        <p:spPr>
-          <a:xfrm>
-            <a:off x="311700" y="445025"/>
-            <a:ext cx="8520600" cy="572700"/>
-          </a:xfrm>
-          <a:prstGeom prst="rect">
-            <a:avLst/>
-          </a:prstGeom>
-        </p:spPr>
-        <p:txBody>
-          <a:bodyPr spcFirstLastPara="1" wrap="square" lIns="91425" tIns="91425" rIns="91425" bIns="91425" anchor="t" anchorCtr="0">
-            <a:noAutofit/>
-          </a:bodyPr>
-          <a:lstStyle/>
-          <a:p>
-            <a:pPr marL="0" lvl="0" indent="0" algn="l" rtl="0">
-              <a:spcBef>
-                <a:spcPts val="0"/>
-              </a:spcBef>
-              <a:spcAft>
-                <a:spcPts val="0"/>
-              </a:spcAft>
-              <a:buNone/>
-            </a:pPr>
-            <a:endParaRPr/>
-          </a:p>
-        </p:txBody>
-      </p:sp>
-      <p:sp>
-        <p:nvSpPr>
-          <p:cNvPr id="128" name="Google Shape;128;p24"/>
-          <p:cNvSpPr txBox="1">
-            <a:spLocks noGrp="1"/>
-          </p:cNvSpPr>
-          <p:nvPr>
-            <p:ph type="body" idx="1"/>
-          </p:nvPr>
-        </p:nvSpPr>
-        <p:spPr>
-          <a:xfrm>
-            <a:off x="311700" y="1152475"/>
-            <a:ext cx="8520600" cy="3416400"/>
-          </a:xfrm>
-          <a:prstGeom prst="rect">
-            <a:avLst/>
-          </a:prstGeom>
-        </p:spPr>
-        <p:txBody>
-          <a:bodyPr spcFirstLastPara="1" wrap="square" lIns="91425" tIns="91425" rIns="91425" bIns="91425" anchor="t" anchorCtr="0">
-            <a:noAutofit/>
-          </a:bodyPr>
-          <a:lstStyle/>
-          <a:p>
-            <a:pPr marL="0" lvl="0" indent="0" algn="l" rtl="0">
-              <a:spcBef>
-                <a:spcPts val="0"/>
-              </a:spcBef>
-              <a:spcAft>
-                <a:spcPts val="1600"/>
-              </a:spcAft>
-              <a:buNone/>
-            </a:pPr>
-            <a:endParaRPr/>
-          </a:p>
-        </p:txBody>
-      </p:sp>
-    </p:spTree>
-  </p:cSld>
-  <p:clrMapOvr>
-    <a:masterClrMapping/>
-  </p:clrMapOvr>
-</p:sld>
-</file>
-
-<file path=ppt/slides/slide17.xml><?xml version="1.0" encoding="utf-8"?>
-<p:sld xmlns:a="http://schemas.openxmlformats.org/drawingml/2006/main" xmlns:r="http://schemas.openxmlformats.org/officeDocument/2006/relationships" xmlns:p="http://schemas.openxmlformats.org/presentationml/2006/main">
-  <p:cSld>
-    <p:spTree>
-      <p:nvGrpSpPr>
-        <p:cNvPr id="1" name="Shape 132"/>
-        <p:cNvGrpSpPr/>
-        <p:nvPr/>
-      </p:nvGrpSpPr>
-      <p:grpSpPr>
-        <a:xfrm>
-          <a:off x="0" y="0"/>
-          <a:ext cx="0" cy="0"/>
-          <a:chOff x="0" y="0"/>
-          <a:chExt cx="0" cy="0"/>
-        </a:xfrm>
-      </p:grpSpPr>
-      <p:sp>
-        <p:nvSpPr>
-          <p:cNvPr id="133" name="Google Shape;133;p25"/>
-          <p:cNvSpPr txBox="1">
-            <a:spLocks noGrp="1"/>
-          </p:cNvSpPr>
-          <p:nvPr>
-            <p:ph type="title"/>
-          </p:nvPr>
-        </p:nvSpPr>
-        <p:spPr>
-          <a:xfrm>
-            <a:off x="311700" y="445025"/>
-            <a:ext cx="8520600" cy="572700"/>
-          </a:xfrm>
-          <a:prstGeom prst="rect">
-            <a:avLst/>
-          </a:prstGeom>
-        </p:spPr>
-        <p:txBody>
-          <a:bodyPr spcFirstLastPara="1" wrap="square" lIns="91425" tIns="91425" rIns="91425" bIns="91425" anchor="t" anchorCtr="0">
-            <a:noAutofit/>
-          </a:bodyPr>
-          <a:lstStyle/>
-          <a:p>
-            <a:pPr marL="0" lvl="0" indent="0" algn="l" rtl="0">
-              <a:spcBef>
-                <a:spcPts val="0"/>
-              </a:spcBef>
-              <a:spcAft>
-                <a:spcPts val="0"/>
-              </a:spcAft>
-              <a:buNone/>
-            </a:pPr>
-            <a:endParaRPr/>
-          </a:p>
-        </p:txBody>
-      </p:sp>
-      <p:sp>
-        <p:nvSpPr>
-          <p:cNvPr id="134" name="Google Shape;134;p25"/>
-          <p:cNvSpPr txBox="1">
-            <a:spLocks noGrp="1"/>
-          </p:cNvSpPr>
-          <p:nvPr>
-            <p:ph type="body" idx="1"/>
-          </p:nvPr>
-        </p:nvSpPr>
-        <p:spPr>
-          <a:xfrm>
-            <a:off x="311700" y="1152475"/>
-            <a:ext cx="8520600" cy="3416400"/>
-          </a:xfrm>
-          <a:prstGeom prst="rect">
-            <a:avLst/>
-          </a:prstGeom>
-        </p:spPr>
-        <p:txBody>
-          <a:bodyPr spcFirstLastPara="1" wrap="square" lIns="91425" tIns="91425" rIns="91425" bIns="91425" anchor="t" anchorCtr="0">
-            <a:noAutofit/>
-          </a:bodyPr>
-          <a:lstStyle/>
-          <a:p>
-            <a:pPr marL="0" lvl="0" indent="0" algn="l" rtl="0">
-              <a:spcBef>
-                <a:spcPts val="0"/>
-              </a:spcBef>
-              <a:spcAft>
-                <a:spcPts val="1600"/>
-              </a:spcAft>
-              <a:buNone/>
-            </a:pPr>
-            <a:endParaRPr/>
-          </a:p>
-        </p:txBody>
-      </p:sp>
-    </p:spTree>
-  </p:cSld>
-  <p:clrMapOvr>
-    <a:masterClrMapping/>
-  </p:clrMapOvr>
-</p:sld>
-</file>
-
-<file path=ppt/slides/slide18.xml><?xml version="1.0" encoding="utf-8"?>
-<p:sld xmlns:a="http://schemas.openxmlformats.org/drawingml/2006/main" xmlns:r="http://schemas.openxmlformats.org/officeDocument/2006/relationships" xmlns:p="http://schemas.openxmlformats.org/presentationml/2006/main">
-  <p:cSld>
-    <p:spTree>
-      <p:nvGrpSpPr>
-        <p:cNvPr id="1" name="Shape 138"/>
-        <p:cNvGrpSpPr/>
-        <p:nvPr/>
-      </p:nvGrpSpPr>
-      <p:grpSpPr>
-        <a:xfrm>
-          <a:off x="0" y="0"/>
-          <a:ext cx="0" cy="0"/>
-          <a:chOff x="0" y="0"/>
-          <a:chExt cx="0" cy="0"/>
-        </a:xfrm>
-      </p:grpSpPr>
-      <p:sp>
-        <p:nvSpPr>
-          <p:cNvPr id="139" name="Google Shape;139;p26"/>
-          <p:cNvSpPr txBox="1">
-            <a:spLocks noGrp="1"/>
-          </p:cNvSpPr>
-          <p:nvPr>
-            <p:ph type="title"/>
-          </p:nvPr>
-        </p:nvSpPr>
-        <p:spPr>
-          <a:xfrm>
-            <a:off x="311700" y="445025"/>
-            <a:ext cx="8520600" cy="572700"/>
-          </a:xfrm>
-          <a:prstGeom prst="rect">
-            <a:avLst/>
-          </a:prstGeom>
-        </p:spPr>
-        <p:txBody>
-          <a:bodyPr spcFirstLastPara="1" wrap="square" lIns="91425" tIns="91425" rIns="91425" bIns="91425" anchor="t" anchorCtr="0">
-            <a:noAutofit/>
-          </a:bodyPr>
-          <a:lstStyle/>
-          <a:p>
-            <a:pPr marL="0" lvl="0" indent="0" algn="l" rtl="0">
-              <a:spcBef>
-                <a:spcPts val="0"/>
-              </a:spcBef>
-              <a:spcAft>
-                <a:spcPts val="0"/>
-              </a:spcAft>
-              <a:buNone/>
-            </a:pPr>
-            <a:endParaRPr/>
-          </a:p>
-        </p:txBody>
-      </p:sp>
-      <p:sp>
-        <p:nvSpPr>
-          <p:cNvPr id="140" name="Google Shape;140;p26"/>
-          <p:cNvSpPr txBox="1">
-            <a:spLocks noGrp="1"/>
-          </p:cNvSpPr>
-          <p:nvPr>
-            <p:ph type="body" idx="1"/>
-          </p:nvPr>
-        </p:nvSpPr>
-        <p:spPr>
-          <a:xfrm>
-            <a:off x="311700" y="1152475"/>
-            <a:ext cx="8520600" cy="3416400"/>
-          </a:xfrm>
-          <a:prstGeom prst="rect">
-            <a:avLst/>
-          </a:prstGeom>
-        </p:spPr>
-        <p:txBody>
-          <a:bodyPr spcFirstLastPara="1" wrap="square" lIns="91425" tIns="91425" rIns="91425" bIns="91425" anchor="t" anchorCtr="0">
-            <a:noAutofit/>
-          </a:bodyPr>
-          <a:lstStyle/>
-          <a:p>
-            <a:pPr marL="0" lvl="0" indent="0" algn="l" rtl="0">
-              <a:spcBef>
-                <a:spcPts val="0"/>
-              </a:spcBef>
-              <a:spcAft>
-                <a:spcPts val="1600"/>
-              </a:spcAft>
-              <a:buNone/>
-            </a:pPr>
-            <a:endParaRPr/>
-          </a:p>
-        </p:txBody>
-      </p:sp>
-    </p:spTree>
-  </p:cSld>
-  <p:clrMapOvr>
-    <a:masterClrMapping/>
-  </p:clrMapOvr>
-</p:sld>
-</file>
-
 <file path=ppt/slides/slide2.xml><?xml version="1.0" encoding="utf-8"?>
 <p:sld xmlns:a="http://schemas.openxmlformats.org/drawingml/2006/main" xmlns:r="http://schemas.openxmlformats.org/officeDocument/2006/relationships" xmlns:p="http://schemas.openxmlformats.org/presentationml/2006/main">
   <p:cSld>
